--- a/Lectures/Week05/Lecture09.pptx
+++ b/Lectures/Week05/Lecture09.pptx
@@ -3279,8 +3279,8 @@
           </a:p>
         </p:txBody>
       </p:sp>
-      <mc:AlternateContent xmlns:mc="http://schemas.openxmlformats.org/markup-compatibility/2006">
-        <mc:Choice xmlns:a14="http://schemas.microsoft.com/office/drawing/2010/main" Requires="a14">
+      <mc:AlternateContent xmlns:mc="http://schemas.openxmlformats.org/markup-compatibility/2006" xmlns:a14="http://schemas.microsoft.com/office/drawing/2010/main">
+        <mc:Choice Requires="a14">
           <p:sp>
             <p:nvSpPr>
               <p:cNvPr id="8" name="Content Placeholder 7">
@@ -3608,7 +3608,7 @@
             </p:txBody>
           </p:sp>
         </mc:Choice>
-        <mc:Fallback>
+        <mc:Fallback xmlns="">
           <p:sp>
             <p:nvSpPr>
               <p:cNvPr id="8" name="Content Placeholder 7">
@@ -3662,13 +3662,13 @@
   <p:clrMapOvr>
     <a:masterClrMapping/>
   </p:clrMapOvr>
-  <mc:AlternateContent xmlns:mc="http://schemas.openxmlformats.org/markup-compatibility/2006">
-    <mc:Choice xmlns:p14="http://schemas.microsoft.com/office/powerpoint/2010/main" Requires="p14">
+  <mc:AlternateContent xmlns:mc="http://schemas.openxmlformats.org/markup-compatibility/2006" xmlns:p14="http://schemas.microsoft.com/office/powerpoint/2010/main">
+    <mc:Choice Requires="p14">
       <p:transition spd="med" p14:dur="700">
         <p:fade/>
       </p:transition>
     </mc:Choice>
-    <mc:Fallback>
+    <mc:Fallback xmlns="">
       <p:transition spd="med">
         <p:fade/>
       </p:transition>
@@ -3733,8 +3733,8 @@
           </a:p>
         </p:txBody>
       </p:sp>
-      <mc:AlternateContent xmlns:mc="http://schemas.openxmlformats.org/markup-compatibility/2006">
-        <mc:Choice xmlns:a14="http://schemas.microsoft.com/office/drawing/2010/main" Requires="a14">
+      <mc:AlternateContent xmlns:mc="http://schemas.openxmlformats.org/markup-compatibility/2006" xmlns:a14="http://schemas.microsoft.com/office/drawing/2010/main">
+        <mc:Choice Requires="a14">
           <p:sp>
             <p:nvSpPr>
               <p:cNvPr id="8" name="Content Placeholder 7">
@@ -4225,7 +4225,7 @@
             </p:txBody>
           </p:sp>
         </mc:Choice>
-        <mc:Fallback>
+        <mc:Fallback xmlns="">
           <p:sp>
             <p:nvSpPr>
               <p:cNvPr id="8" name="Content Placeholder 7">
@@ -4450,8 +4450,8 @@
           </a:p>
         </p:txBody>
       </p:sp>
-      <mc:AlternateContent xmlns:mc="http://schemas.openxmlformats.org/markup-compatibility/2006">
-        <mc:Choice xmlns:a14="http://schemas.microsoft.com/office/drawing/2010/main" Requires="a14">
+      <mc:AlternateContent xmlns:mc="http://schemas.openxmlformats.org/markup-compatibility/2006" xmlns:a14="http://schemas.microsoft.com/office/drawing/2010/main">
+        <mc:Choice Requires="a14">
           <p:sp>
             <p:nvSpPr>
               <p:cNvPr id="8" name="Content Placeholder 7">
@@ -4868,7 +4868,7 @@
             </p:txBody>
           </p:sp>
         </mc:Choice>
-        <mc:Fallback>
+        <mc:Fallback xmlns="">
           <p:sp>
             <p:nvSpPr>
               <p:cNvPr id="8" name="Content Placeholder 7">
@@ -5123,8 +5123,8 @@
           </a:p>
         </p:txBody>
       </p:sp>
-      <mc:AlternateContent xmlns:mc="http://schemas.openxmlformats.org/markup-compatibility/2006">
-        <mc:Choice xmlns:a14="http://schemas.microsoft.com/office/drawing/2010/main" Requires="a14">
+      <mc:AlternateContent xmlns:mc="http://schemas.openxmlformats.org/markup-compatibility/2006" xmlns:a14="http://schemas.microsoft.com/office/drawing/2010/main">
+        <mc:Choice Requires="a14">
           <p:sp>
             <p:nvSpPr>
               <p:cNvPr id="8" name="Content Placeholder 7">
@@ -5552,7 +5552,7 @@
             </p:txBody>
           </p:sp>
         </mc:Choice>
-        <mc:Fallback>
+        <mc:Fallback xmlns="">
           <p:sp>
             <p:nvSpPr>
               <p:cNvPr id="8" name="Content Placeholder 7">
@@ -5602,13 +5602,13 @@
   <p:clrMapOvr>
     <a:masterClrMapping/>
   </p:clrMapOvr>
-  <mc:AlternateContent xmlns:mc="http://schemas.openxmlformats.org/markup-compatibility/2006">
-    <mc:Choice xmlns:p14="http://schemas.microsoft.com/office/powerpoint/2010/main" Requires="p14">
+  <mc:AlternateContent xmlns:mc="http://schemas.openxmlformats.org/markup-compatibility/2006" xmlns:p14="http://schemas.microsoft.com/office/powerpoint/2010/main">
+    <mc:Choice Requires="p14">
       <p:transition spd="med" p14:dur="700">
         <p:fade/>
       </p:transition>
     </mc:Choice>
-    <mc:Fallback>
+    <mc:Fallback xmlns="">
       <p:transition spd="med">
         <p:fade/>
       </p:transition>
@@ -5673,8 +5673,8 @@
           </a:p>
         </p:txBody>
       </p:sp>
-      <mc:AlternateContent xmlns:mc="http://schemas.openxmlformats.org/markup-compatibility/2006">
-        <mc:Choice xmlns:a14="http://schemas.microsoft.com/office/drawing/2010/main" Requires="a14">
+      <mc:AlternateContent xmlns:mc="http://schemas.openxmlformats.org/markup-compatibility/2006" xmlns:a14="http://schemas.microsoft.com/office/drawing/2010/main">
+        <mc:Choice Requires="a14">
           <p:sp>
             <p:nvSpPr>
               <p:cNvPr id="8" name="Content Placeholder 7">
@@ -6386,7 +6386,7 @@
             </p:txBody>
           </p:sp>
         </mc:Choice>
-        <mc:Fallback>
+        <mc:Fallback xmlns="">
           <p:sp>
             <p:nvSpPr>
               <p:cNvPr id="8" name="Content Placeholder 7">
@@ -6436,13 +6436,13 @@
   <p:clrMapOvr>
     <a:masterClrMapping/>
   </p:clrMapOvr>
-  <mc:AlternateContent xmlns:mc="http://schemas.openxmlformats.org/markup-compatibility/2006">
-    <mc:Choice xmlns:p14="http://schemas.microsoft.com/office/powerpoint/2010/main" Requires="p14">
+  <mc:AlternateContent xmlns:mc="http://schemas.openxmlformats.org/markup-compatibility/2006" xmlns:p14="http://schemas.microsoft.com/office/powerpoint/2010/main">
+    <mc:Choice Requires="p14">
       <p:transition spd="med" p14:dur="700">
         <p:fade/>
       </p:transition>
     </mc:Choice>
-    <mc:Fallback>
+    <mc:Fallback xmlns="">
       <p:transition spd="med">
         <p:fade/>
       </p:transition>
@@ -6806,8 +6806,8 @@
           </a:p>
         </p:txBody>
       </p:sp>
-      <mc:AlternateContent xmlns:mc="http://schemas.openxmlformats.org/markup-compatibility/2006">
-        <mc:Choice xmlns:a14="http://schemas.microsoft.com/office/drawing/2010/main" Requires="a14">
+      <mc:AlternateContent xmlns:mc="http://schemas.openxmlformats.org/markup-compatibility/2006" xmlns:a14="http://schemas.microsoft.com/office/drawing/2010/main">
+        <mc:Choice Requires="a14">
           <p:sp>
             <p:nvSpPr>
               <p:cNvPr id="8" name="Content Placeholder 7">
@@ -7215,7 +7215,7 @@
             </p:txBody>
           </p:sp>
         </mc:Choice>
-        <mc:Fallback>
+        <mc:Fallback xmlns="">
           <p:sp>
             <p:nvSpPr>
               <p:cNvPr id="8" name="Content Placeholder 7">
@@ -7348,13 +7348,13 @@
   <p:clrMapOvr>
     <a:masterClrMapping/>
   </p:clrMapOvr>
-  <mc:AlternateContent xmlns:mc="http://schemas.openxmlformats.org/markup-compatibility/2006">
-    <mc:Choice xmlns:p14="http://schemas.microsoft.com/office/powerpoint/2010/main" Requires="p14">
+  <mc:AlternateContent xmlns:mc="http://schemas.openxmlformats.org/markup-compatibility/2006" xmlns:p14="http://schemas.microsoft.com/office/powerpoint/2010/main">
+    <mc:Choice Requires="p14">
       <p:transition spd="med" p14:dur="700">
         <p:fade/>
       </p:transition>
     </mc:Choice>
-    <mc:Fallback>
+    <mc:Fallback xmlns="">
       <p:transition spd="med">
         <p:fade/>
       </p:transition>
@@ -8057,6 +8057,24 @@
                           <m:t>, </m:t>
                         </m:r>
                         <m:r>
+                          <a:rPr lang="en-US" b="0" i="1" smtClean="0">
+                            <a:solidFill>
+                              <a:srgbClr val="0033CC"/>
+                            </a:solidFill>
+                            <a:latin typeface="Cambria Math" panose="02040503050406030204" pitchFamily="18" charset="0"/>
+                          </a:rPr>
+                          <m:t>𝜃</m:t>
+                        </m:r>
+                        <m:r>
+                          <a:rPr lang="en-US" b="0" i="1" smtClean="0">
+                            <a:solidFill>
+                              <a:srgbClr val="0033CC"/>
+                            </a:solidFill>
+                            <a:latin typeface="Cambria Math" panose="02040503050406030204" pitchFamily="18" charset="0"/>
+                          </a:rPr>
+                          <m:t>,</m:t>
+                        </m:r>
+                        <m:r>
                           <a:rPr lang="en-US" i="1">
                             <a:solidFill>
                               <a:srgbClr val="0033CC"/>
@@ -8627,213 +8645,18 @@
   <p:clrMapOvr>
     <a:masterClrMapping/>
   </p:clrMapOvr>
-  <mc:AlternateContent xmlns:mc="http://schemas.openxmlformats.org/markup-compatibility/2006">
-    <mc:Choice xmlns:p14="http://schemas.microsoft.com/office/powerpoint/2010/main" Requires="p14">
+  <mc:AlternateContent xmlns:mc="http://schemas.openxmlformats.org/markup-compatibility/2006" xmlns:p14="http://schemas.microsoft.com/office/powerpoint/2010/main">
+    <mc:Choice Requires="p14">
       <p:transition spd="med" p14:dur="700">
         <p:fade/>
       </p:transition>
     </mc:Choice>
-    <mc:Fallback>
+    <mc:Fallback xmlns="">
       <p:transition spd="med">
         <p:fade/>
       </p:transition>
     </mc:Fallback>
   </mc:AlternateContent>
-  <p:timing>
-    <p:tnLst>
-      <p:par>
-        <p:cTn id="1" dur="indefinite" restart="never" nodeType="tmRoot">
-          <p:childTnLst>
-            <p:seq concurrent="1" nextAc="seek">
-              <p:cTn id="2" dur="indefinite" nodeType="mainSeq">
-                <p:childTnLst>
-                  <p:par>
-                    <p:cTn id="3" fill="hold">
-                      <p:stCondLst>
-                        <p:cond delay="indefinite"/>
-                      </p:stCondLst>
-                      <p:childTnLst>
-                        <p:par>
-                          <p:cTn id="4" fill="hold">
-                            <p:stCondLst>
-                              <p:cond delay="0"/>
-                            </p:stCondLst>
-                            <p:childTnLst>
-                              <p:par>
-                                <p:cTn id="5" presetID="10" presetClass="entr" presetSubtype="0" fill="hold" nodeType="clickEffect">
-                                  <p:stCondLst>
-                                    <p:cond delay="0"/>
-                                  </p:stCondLst>
-                                  <p:childTnLst>
-                                    <p:set>
-                                      <p:cBhvr>
-                                        <p:cTn id="6" dur="1" fill="hold">
-                                          <p:stCondLst>
-                                            <p:cond delay="0"/>
-                                          </p:stCondLst>
-                                        </p:cTn>
-                                        <p:tgtEl>
-                                          <p:spTgt spid="8">
-                                            <p:txEl>
-                                              <p:pRg st="2" end="2"/>
-                                            </p:txEl>
-                                          </p:spTgt>
-                                        </p:tgtEl>
-                                        <p:attrNameLst>
-                                          <p:attrName>style.visibility</p:attrName>
-                                        </p:attrNameLst>
-                                      </p:cBhvr>
-                                      <p:to>
-                                        <p:strVal val="visible"/>
-                                      </p:to>
-                                    </p:set>
-                                    <p:animEffect transition="in" filter="fade">
-                                      <p:cBhvr>
-                                        <p:cTn id="7" dur="500"/>
-                                        <p:tgtEl>
-                                          <p:spTgt spid="8">
-                                            <p:txEl>
-                                              <p:pRg st="2" end="2"/>
-                                            </p:txEl>
-                                          </p:spTgt>
-                                        </p:tgtEl>
-                                      </p:cBhvr>
-                                    </p:animEffect>
-                                  </p:childTnLst>
-                                </p:cTn>
-                              </p:par>
-                            </p:childTnLst>
-                          </p:cTn>
-                        </p:par>
-                      </p:childTnLst>
-                    </p:cTn>
-                  </p:par>
-                  <p:par>
-                    <p:cTn id="8" fill="hold">
-                      <p:stCondLst>
-                        <p:cond delay="indefinite"/>
-                      </p:stCondLst>
-                      <p:childTnLst>
-                        <p:par>
-                          <p:cTn id="9" fill="hold">
-                            <p:stCondLst>
-                              <p:cond delay="0"/>
-                            </p:stCondLst>
-                            <p:childTnLst>
-                              <p:par>
-                                <p:cTn id="10" presetID="10" presetClass="entr" presetSubtype="0" fill="hold" nodeType="clickEffect">
-                                  <p:stCondLst>
-                                    <p:cond delay="0"/>
-                                  </p:stCondLst>
-                                  <p:childTnLst>
-                                    <p:set>
-                                      <p:cBhvr>
-                                        <p:cTn id="11" dur="1" fill="hold">
-                                          <p:stCondLst>
-                                            <p:cond delay="0"/>
-                                          </p:stCondLst>
-                                        </p:cTn>
-                                        <p:tgtEl>
-                                          <p:spTgt spid="8">
-                                            <p:txEl>
-                                              <p:pRg st="3" end="3"/>
-                                            </p:txEl>
-                                          </p:spTgt>
-                                        </p:tgtEl>
-                                        <p:attrNameLst>
-                                          <p:attrName>style.visibility</p:attrName>
-                                        </p:attrNameLst>
-                                      </p:cBhvr>
-                                      <p:to>
-                                        <p:strVal val="visible"/>
-                                      </p:to>
-                                    </p:set>
-                                    <p:animEffect transition="in" filter="fade">
-                                      <p:cBhvr>
-                                        <p:cTn id="12" dur="500"/>
-                                        <p:tgtEl>
-                                          <p:spTgt spid="8">
-                                            <p:txEl>
-                                              <p:pRg st="3" end="3"/>
-                                            </p:txEl>
-                                          </p:spTgt>
-                                        </p:tgtEl>
-                                      </p:cBhvr>
-                                    </p:animEffect>
-                                  </p:childTnLst>
-                                </p:cTn>
-                              </p:par>
-                              <p:par>
-                                <p:cTn id="13" presetID="10" presetClass="entr" presetSubtype="0" fill="hold" nodeType="withEffect">
-                                  <p:stCondLst>
-                                    <p:cond delay="0"/>
-                                  </p:stCondLst>
-                                  <p:childTnLst>
-                                    <p:set>
-                                      <p:cBhvr>
-                                        <p:cTn id="14" dur="1" fill="hold">
-                                          <p:stCondLst>
-                                            <p:cond delay="0"/>
-                                          </p:stCondLst>
-                                        </p:cTn>
-                                        <p:tgtEl>
-                                          <p:spTgt spid="8">
-                                            <p:txEl>
-                                              <p:pRg st="4" end="4"/>
-                                            </p:txEl>
-                                          </p:spTgt>
-                                        </p:tgtEl>
-                                        <p:attrNameLst>
-                                          <p:attrName>style.visibility</p:attrName>
-                                        </p:attrNameLst>
-                                      </p:cBhvr>
-                                      <p:to>
-                                        <p:strVal val="visible"/>
-                                      </p:to>
-                                    </p:set>
-                                    <p:animEffect transition="in" filter="fade">
-                                      <p:cBhvr>
-                                        <p:cTn id="15" dur="500"/>
-                                        <p:tgtEl>
-                                          <p:spTgt spid="8">
-                                            <p:txEl>
-                                              <p:pRg st="4" end="4"/>
-                                            </p:txEl>
-                                          </p:spTgt>
-                                        </p:tgtEl>
-                                      </p:cBhvr>
-                                    </p:animEffect>
-                                  </p:childTnLst>
-                                </p:cTn>
-                              </p:par>
-                            </p:childTnLst>
-                          </p:cTn>
-                        </p:par>
-                      </p:childTnLst>
-                    </p:cTn>
-                  </p:par>
-                </p:childTnLst>
-              </p:cTn>
-              <p:prevCondLst>
-                <p:cond evt="onPrev" delay="0">
-                  <p:tgtEl>
-                    <p:sldTgt/>
-                  </p:tgtEl>
-                </p:cond>
-              </p:prevCondLst>
-              <p:nextCondLst>
-                <p:cond evt="onNext" delay="0">
-                  <p:tgtEl>
-                    <p:sldTgt/>
-                  </p:tgtEl>
-                </p:cond>
-              </p:nextCondLst>
-            </p:seq>
-          </p:childTnLst>
-        </p:cTn>
-      </p:par>
-    </p:tnLst>
-  </p:timing>
 </p:sld>
 </file>
 
@@ -9108,8 +8931,8 @@
           </a:p>
         </p:txBody>
       </p:sp>
-      <mc:AlternateContent xmlns:mc="http://schemas.openxmlformats.org/markup-compatibility/2006">
-        <mc:Choice xmlns:a14="http://schemas.microsoft.com/office/drawing/2010/main" Requires="a14">
+      <mc:AlternateContent xmlns:mc="http://schemas.openxmlformats.org/markup-compatibility/2006" xmlns:a14="http://schemas.microsoft.com/office/drawing/2010/main">
+        <mc:Choice Requires="a14">
           <p:sp>
             <p:nvSpPr>
               <p:cNvPr id="8" name="Content Placeholder 7">
@@ -9594,7 +9417,7 @@
             </p:txBody>
           </p:sp>
         </mc:Choice>
-        <mc:Fallback>
+        <mc:Fallback xmlns="">
           <p:sp>
             <p:nvSpPr>
               <p:cNvPr id="8" name="Content Placeholder 7">
@@ -9715,8 +9538,8 @@
           </a:p>
         </p:txBody>
       </p:sp>
-      <mc:AlternateContent xmlns:mc="http://schemas.openxmlformats.org/markup-compatibility/2006">
-        <mc:Choice xmlns:a14="http://schemas.microsoft.com/office/drawing/2010/main" Requires="a14">
+      <mc:AlternateContent xmlns:mc="http://schemas.openxmlformats.org/markup-compatibility/2006" xmlns:a14="http://schemas.microsoft.com/office/drawing/2010/main">
+        <mc:Choice Requires="a14">
           <p:sp>
             <p:nvSpPr>
               <p:cNvPr id="8" name="Content Placeholder 7">
@@ -10167,7 +9990,7 @@
             </p:txBody>
           </p:sp>
         </mc:Choice>
-        <mc:Fallback>
+        <mc:Fallback xmlns="">
           <p:sp>
             <p:nvSpPr>
               <p:cNvPr id="8" name="Content Placeholder 7">
@@ -10217,13 +10040,13 @@
   <p:clrMapOvr>
     <a:masterClrMapping/>
   </p:clrMapOvr>
-  <mc:AlternateContent xmlns:mc="http://schemas.openxmlformats.org/markup-compatibility/2006">
-    <mc:Choice xmlns:p14="http://schemas.microsoft.com/office/powerpoint/2010/main" Requires="p14">
+  <mc:AlternateContent xmlns:mc="http://schemas.openxmlformats.org/markup-compatibility/2006" xmlns:p14="http://schemas.microsoft.com/office/powerpoint/2010/main">
+    <mc:Choice Requires="p14">
       <p:transition spd="med" p14:dur="700">
         <p:fade/>
       </p:transition>
     </mc:Choice>
-    <mc:Fallback>
+    <mc:Fallback xmlns="">
       <p:transition spd="med">
         <p:fade/>
       </p:transition>
@@ -10288,8 +10111,8 @@
           </a:p>
         </p:txBody>
       </p:sp>
-      <mc:AlternateContent xmlns:mc="http://schemas.openxmlformats.org/markup-compatibility/2006">
-        <mc:Choice xmlns:a14="http://schemas.microsoft.com/office/drawing/2010/main" Requires="a14">
+      <mc:AlternateContent xmlns:mc="http://schemas.openxmlformats.org/markup-compatibility/2006" xmlns:a14="http://schemas.microsoft.com/office/drawing/2010/main">
+        <mc:Choice Requires="a14">
           <p:sp>
             <p:nvSpPr>
               <p:cNvPr id="8" name="Content Placeholder 7">
@@ -10663,7 +10486,7 @@
             </p:txBody>
           </p:sp>
         </mc:Choice>
-        <mc:Fallback>
+        <mc:Fallback xmlns="">
           <p:sp>
             <p:nvSpPr>
               <p:cNvPr id="8" name="Content Placeholder 7">
@@ -10713,13 +10536,13 @@
   <p:clrMapOvr>
     <a:masterClrMapping/>
   </p:clrMapOvr>
-  <mc:AlternateContent xmlns:mc="http://schemas.openxmlformats.org/markup-compatibility/2006">
-    <mc:Choice xmlns:p14="http://schemas.microsoft.com/office/powerpoint/2010/main" Requires="p14">
+  <mc:AlternateContent xmlns:mc="http://schemas.openxmlformats.org/markup-compatibility/2006" xmlns:p14="http://schemas.microsoft.com/office/powerpoint/2010/main">
+    <mc:Choice Requires="p14">
       <p:transition spd="med" p14:dur="700">
         <p:fade/>
       </p:transition>
     </mc:Choice>
-    <mc:Fallback>
+    <mc:Fallback xmlns="">
       <p:transition spd="med">
         <p:fade/>
       </p:transition>
@@ -10845,8 +10668,8 @@
           </a:p>
         </p:txBody>
       </p:sp>
-      <mc:AlternateContent xmlns:mc="http://schemas.openxmlformats.org/markup-compatibility/2006">
-        <mc:Choice xmlns:a14="http://schemas.microsoft.com/office/drawing/2010/main" Requires="a14">
+      <mc:AlternateContent xmlns:mc="http://schemas.openxmlformats.org/markup-compatibility/2006" xmlns:a14="http://schemas.microsoft.com/office/drawing/2010/main">
+        <mc:Choice Requires="a14">
           <p:sp>
             <p:nvSpPr>
               <p:cNvPr id="8" name="Content Placeholder 7">
@@ -11863,7 +11686,7 @@
             </p:txBody>
           </p:sp>
         </mc:Choice>
-        <mc:Fallback>
+        <mc:Fallback xmlns="">
           <p:sp>
             <p:nvSpPr>
               <p:cNvPr id="8" name="Content Placeholder 7">
@@ -12197,8 +12020,8 @@
           </a:p>
         </p:txBody>
       </p:sp>
-      <mc:AlternateContent xmlns:mc="http://schemas.openxmlformats.org/markup-compatibility/2006">
-        <mc:Choice xmlns:a14="http://schemas.microsoft.com/office/drawing/2010/main" Requires="a14">
+      <mc:AlternateContent xmlns:mc="http://schemas.openxmlformats.org/markup-compatibility/2006" xmlns:a14="http://schemas.microsoft.com/office/drawing/2010/main">
+        <mc:Choice Requires="a14">
           <p:sp>
             <p:nvSpPr>
               <p:cNvPr id="8" name="Content Placeholder 7">
@@ -12967,7 +12790,7 @@
             </p:txBody>
           </p:sp>
         </mc:Choice>
-        <mc:Fallback>
+        <mc:Fallback xmlns="">
           <p:sp>
             <p:nvSpPr>
               <p:cNvPr id="8" name="Content Placeholder 7">
@@ -13095,13 +12918,13 @@
   <p:clrMapOvr>
     <a:masterClrMapping/>
   </p:clrMapOvr>
-  <mc:AlternateContent xmlns:mc="http://schemas.openxmlformats.org/markup-compatibility/2006">
-    <mc:Choice xmlns:p14="http://schemas.microsoft.com/office/powerpoint/2010/main" Requires="p14">
+  <mc:AlternateContent xmlns:mc="http://schemas.openxmlformats.org/markup-compatibility/2006" xmlns:p14="http://schemas.microsoft.com/office/powerpoint/2010/main">
+    <mc:Choice Requires="p14">
       <p:transition spd="med" p14:dur="700">
         <p:fade/>
       </p:transition>
     </mc:Choice>
-    <mc:Fallback>
+    <mc:Fallback xmlns="">
       <p:transition spd="med">
         <p:fade/>
       </p:transition>
@@ -13166,8 +12989,8 @@
           </a:p>
         </p:txBody>
       </p:sp>
-      <mc:AlternateContent xmlns:mc="http://schemas.openxmlformats.org/markup-compatibility/2006">
-        <mc:Choice xmlns:a14="http://schemas.microsoft.com/office/drawing/2010/main" Requires="a14">
+      <mc:AlternateContent xmlns:mc="http://schemas.openxmlformats.org/markup-compatibility/2006" xmlns:a14="http://schemas.microsoft.com/office/drawing/2010/main">
+        <mc:Choice Requires="a14">
           <p:sp>
             <p:nvSpPr>
               <p:cNvPr id="8" name="Content Placeholder 7">
@@ -13888,7 +13711,7 @@
             </p:txBody>
           </p:sp>
         </mc:Choice>
-        <mc:Fallback>
+        <mc:Fallback xmlns="">
           <p:sp>
             <p:nvSpPr>
               <p:cNvPr id="8" name="Content Placeholder 7">
@@ -13979,13 +13802,13 @@
   <p:clrMapOvr>
     <a:masterClrMapping/>
   </p:clrMapOvr>
-  <mc:AlternateContent xmlns:mc="http://schemas.openxmlformats.org/markup-compatibility/2006">
-    <mc:Choice xmlns:p14="http://schemas.microsoft.com/office/powerpoint/2010/main" Requires="p14">
+  <mc:AlternateContent xmlns:mc="http://schemas.openxmlformats.org/markup-compatibility/2006" xmlns:p14="http://schemas.microsoft.com/office/powerpoint/2010/main">
+    <mc:Choice Requires="p14">
       <p:transition spd="med" p14:dur="700">
         <p:fade/>
       </p:transition>
     </mc:Choice>
-    <mc:Fallback>
+    <mc:Fallback xmlns="">
       <p:transition spd="med">
         <p:fade/>
       </p:transition>
@@ -14017,8 +13840,8 @@
           <a:chExt cx="0" cy="0"/>
         </a:xfrm>
       </p:grpSpPr>
-      <mc:AlternateContent xmlns:mc="http://schemas.openxmlformats.org/markup-compatibility/2006">
-        <mc:Choice xmlns:a14="http://schemas.microsoft.com/office/drawing/2010/main" Requires="a14">
+      <mc:AlternateContent xmlns:mc="http://schemas.openxmlformats.org/markup-compatibility/2006" xmlns:a14="http://schemas.microsoft.com/office/drawing/2010/main">
+        <mc:Choice Requires="a14">
           <p:sp>
             <p:nvSpPr>
               <p:cNvPr id="7" name="Title 6">
@@ -14091,7 +13914,7 @@
             </p:txBody>
           </p:sp>
         </mc:Choice>
-        <mc:Fallback>
+        <mc:Fallback xmlns="">
           <p:sp>
             <p:nvSpPr>
               <p:cNvPr id="7" name="Title 6">
@@ -14252,13 +14075,13 @@
   <p:clrMapOvr>
     <a:masterClrMapping/>
   </p:clrMapOvr>
-  <mc:AlternateContent xmlns:mc="http://schemas.openxmlformats.org/markup-compatibility/2006">
-    <mc:Choice xmlns:p14="http://schemas.microsoft.com/office/powerpoint/2010/main" Requires="p14">
+  <mc:AlternateContent xmlns:mc="http://schemas.openxmlformats.org/markup-compatibility/2006" xmlns:p14="http://schemas.microsoft.com/office/powerpoint/2010/main">
+    <mc:Choice Requires="p14">
       <p:transition spd="med" p14:dur="700">
         <p:fade/>
       </p:transition>
     </mc:Choice>
-    <mc:Fallback>
+    <mc:Fallback xmlns="">
       <p:transition spd="med">
         <p:fade/>
       </p:transition>
